--- a/Obrazová analýza.pptx
+++ b/Obrazová analýza.pptx
@@ -6,11 +6,13 @@
   </p:sldMasterIdLst>
   <p:sldIdLst>
     <p:sldId id="256" r:id="rId2"/>
-    <p:sldId id="257" r:id="rId3"/>
-    <p:sldId id="258" r:id="rId4"/>
-    <p:sldId id="259" r:id="rId5"/>
-    <p:sldId id="260" r:id="rId6"/>
-    <p:sldId id="261" r:id="rId7"/>
+    <p:sldId id="262" r:id="rId3"/>
+    <p:sldId id="263" r:id="rId4"/>
+    <p:sldId id="257" r:id="rId5"/>
+    <p:sldId id="258" r:id="rId6"/>
+    <p:sldId id="259" r:id="rId7"/>
+    <p:sldId id="260" r:id="rId8"/>
+    <p:sldId id="261" r:id="rId9"/>
   </p:sldIdLst>
   <p:sldSz cx="12192000" cy="6858000"/>
   <p:notesSz cx="6858000" cy="9144000"/>
@@ -109,6 +111,11 @@
       </a:defRPr>
     </a:lvl9pPr>
   </p:defaultTextStyle>
+  <p:extLst>
+    <p:ext uri="{EFAFB233-063F-42B5-8137-9DF3F51BA10A}">
+      <p15:sldGuideLst xmlns:p15="http://schemas.microsoft.com/office/powerpoint/2012/main"/>
+    </p:ext>
+  </p:extLst>
 </p:presentation>
 </file>
 
@@ -3597,10 +3604,10 @@
       </p:grpSpPr>
       <p:sp>
         <p:nvSpPr>
-          <p:cNvPr id="2" name="Title 1">
+          <p:cNvPr id="2" name="Nadpis 1">
             <a:extLst>
               <a:ext uri="{FF2B5EF4-FFF2-40B4-BE49-F238E27FC236}">
-                <a16:creationId xmlns:a16="http://schemas.microsoft.com/office/drawing/2014/main" id="{FEFBB225-54EA-446B-82DC-D89F932BCD37}"/>
+                <a16:creationId xmlns:a16="http://schemas.microsoft.com/office/drawing/2014/main" id="{405BDAF2-0545-4D95-BCFB-D5EB4636279D}"/>
               </a:ext>
             </a:extLst>
           </p:cNvPr>
@@ -3617,19 +3624,18 @@
           <a:lstStyle/>
           <a:p>
             <a:r>
-              <a:rPr lang="en-US" dirty="0" err="1"/>
-              <a:t>Cieľ</a:t>
-            </a:r>
-            <a:endParaRPr lang="en-US" dirty="0"/>
-          </a:p>
-        </p:txBody>
-      </p:sp>
-      <p:sp>
-        <p:nvSpPr>
-          <p:cNvPr id="3" name="Content Placeholder 2">
+              <a:rPr lang="sk-SK" dirty="0"/>
+              <a:t>Otázky</a:t>
+            </a:r>
+          </a:p>
+        </p:txBody>
+      </p:sp>
+      <p:sp>
+        <p:nvSpPr>
+          <p:cNvPr id="3" name="Zástupný objekt pre obsah 2">
             <a:extLst>
               <a:ext uri="{FF2B5EF4-FFF2-40B4-BE49-F238E27FC236}">
-                <a16:creationId xmlns:a16="http://schemas.microsoft.com/office/drawing/2014/main" id="{5E1E0846-75D3-450C-A32F-D75352BE9779}"/>
+                <a16:creationId xmlns:a16="http://schemas.microsoft.com/office/drawing/2014/main" id="{C5AF0077-2220-4073-AB09-FCE155CA283E}"/>
               </a:ext>
             </a:extLst>
           </p:cNvPr>
@@ -3646,75 +3652,44 @@
           <a:lstStyle/>
           <a:p>
             <a:r>
-              <a:rPr lang="en-US" dirty="0" err="1"/>
-              <a:t>Odporúčiť</a:t>
-            </a:r>
-            <a:r>
-              <a:rPr lang="en-US" dirty="0"/>
-              <a:t> </a:t>
-            </a:r>
-            <a:r>
-              <a:rPr lang="en-US" dirty="0" err="1"/>
-              <a:t>vhodnú</a:t>
-            </a:r>
-            <a:r>
-              <a:rPr lang="en-US" dirty="0"/>
-              <a:t> </a:t>
-            </a:r>
-            <a:r>
-              <a:rPr lang="en-US" dirty="0" err="1"/>
-              <a:t>dovolenkovú</a:t>
-            </a:r>
-            <a:r>
-              <a:rPr lang="en-US" dirty="0"/>
-              <a:t> </a:t>
-            </a:r>
-            <a:r>
-              <a:rPr lang="en-US" dirty="0" err="1"/>
-              <a:t>destináciu</a:t>
-            </a:r>
-            <a:endParaRPr lang="en-US" dirty="0"/>
-          </a:p>
-          <a:p>
-            <a:r>
-              <a:rPr lang="en-US" dirty="0" err="1"/>
-              <a:t>Identifikovanie</a:t>
-            </a:r>
-            <a:r>
-              <a:rPr lang="en-US" dirty="0"/>
-              <a:t> </a:t>
-            </a:r>
-            <a:r>
-              <a:rPr lang="en-US" dirty="0" err="1"/>
-              <a:t>najviac</a:t>
-            </a:r>
-            <a:r>
-              <a:rPr lang="en-US" dirty="0"/>
-              <a:t> </a:t>
-            </a:r>
-            <a:r>
-              <a:rPr lang="en-US" dirty="0" err="1"/>
-              <a:t>priraďované</a:t>
-            </a:r>
-            <a:r>
-              <a:rPr lang="en-US" dirty="0"/>
-              <a:t> </a:t>
-            </a:r>
-            <a:r>
-              <a:rPr lang="en-US" dirty="0" err="1"/>
-              <a:t>labelov</a:t>
-            </a:r>
-            <a:endParaRPr lang="en-US" dirty="0"/>
-          </a:p>
-          <a:p>
-            <a:endParaRPr lang="en-US" dirty="0"/>
+              <a:rPr lang="sk-SK" dirty="0"/>
+              <a:t>Aké atribúty sa vyskytujú najčastejšie?</a:t>
+            </a:r>
+          </a:p>
+          <a:p>
+            <a:r>
+              <a:rPr lang="sk-SK" dirty="0"/>
+              <a:t>Ktoré atribúty sa zvyknú vyskytovať spolu?</a:t>
+            </a:r>
+          </a:p>
+          <a:p>
+            <a:r>
+              <a:rPr lang="sk-SK" dirty="0"/>
+              <a:t>Segmentácia zákazníkov</a:t>
+            </a:r>
+          </a:p>
+          <a:p>
+            <a:r>
+              <a:rPr lang="sk-SK" dirty="0" err="1"/>
+              <a:t>Doporučenie</a:t>
+            </a:r>
+            <a:r>
+              <a:rPr lang="sk-SK" dirty="0"/>
+              <a:t> vhodnej dovolenky</a:t>
+            </a:r>
+          </a:p>
+          <a:p>
+            <a:r>
+              <a:rPr lang="sk-SK" dirty="0"/>
+              <a:t>Hodnotenie nálady zákazníka podľa atribútov</a:t>
+            </a:r>
           </a:p>
         </p:txBody>
       </p:sp>
     </p:spTree>
     <p:extLst>
       <p:ext uri="{BB962C8B-B14F-4D97-AF65-F5344CB8AC3E}">
-        <p14:creationId xmlns:p14="http://schemas.microsoft.com/office/powerpoint/2010/main" val="2893222398"/>
+        <p14:creationId xmlns:p14="http://schemas.microsoft.com/office/powerpoint/2010/main" val="887177341"/>
       </p:ext>
     </p:extLst>
   </p:cSld>
@@ -3743,6 +3718,259 @@
       </p:grpSpPr>
       <p:sp>
         <p:nvSpPr>
+          <p:cNvPr id="2" name="Nadpis 1">
+            <a:extLst>
+              <a:ext uri="{FF2B5EF4-FFF2-40B4-BE49-F238E27FC236}">
+                <a16:creationId xmlns:a16="http://schemas.microsoft.com/office/drawing/2014/main" id="{D026D1D5-CE53-4ABD-8CFB-6A7F13B179E5}"/>
+              </a:ext>
+            </a:extLst>
+          </p:cNvPr>
+          <p:cNvSpPr>
+            <a:spLocks noGrp="1"/>
+          </p:cNvSpPr>
+          <p:nvPr>
+            <p:ph type="title"/>
+          </p:nvPr>
+        </p:nvSpPr>
+        <p:spPr/>
+        <p:txBody>
+          <a:bodyPr/>
+          <a:lstStyle/>
+          <a:p>
+            <a:r>
+              <a:rPr lang="sk-SK" dirty="0"/>
+              <a:t>Návrhy na zlepšenie </a:t>
+            </a:r>
+            <a:r>
+              <a:rPr lang="sk-SK" dirty="0" err="1"/>
+              <a:t>datasetu</a:t>
+            </a:r>
+            <a:endParaRPr lang="sk-SK" dirty="0"/>
+          </a:p>
+        </p:txBody>
+      </p:sp>
+      <p:sp>
+        <p:nvSpPr>
+          <p:cNvPr id="3" name="Zástupný objekt pre obsah 2">
+            <a:extLst>
+              <a:ext uri="{FF2B5EF4-FFF2-40B4-BE49-F238E27FC236}">
+                <a16:creationId xmlns:a16="http://schemas.microsoft.com/office/drawing/2014/main" id="{2B29AEBF-5B4A-470F-A262-CC2654402521}"/>
+              </a:ext>
+            </a:extLst>
+          </p:cNvPr>
+          <p:cNvSpPr>
+            <a:spLocks noGrp="1"/>
+          </p:cNvSpPr>
+          <p:nvPr>
+            <p:ph idx="1"/>
+          </p:nvPr>
+        </p:nvSpPr>
+        <p:spPr/>
+        <p:txBody>
+          <a:bodyPr/>
+          <a:lstStyle/>
+          <a:p>
+            <a:r>
+              <a:rPr lang="sk-SK" dirty="0"/>
+              <a:t>Fotografie aj s osobami</a:t>
+            </a:r>
+          </a:p>
+          <a:p>
+            <a:r>
+              <a:rPr lang="sk-SK" dirty="0"/>
+              <a:t>Fotografie jedného človeka z viacerých dovoleniek</a:t>
+            </a:r>
+          </a:p>
+          <a:p>
+            <a:r>
+              <a:rPr lang="sk-SK" dirty="0"/>
+              <a:t>Fotografie viacerých ľudí s nejakými základnými charakteristikami</a:t>
+            </a:r>
+          </a:p>
+        </p:txBody>
+      </p:sp>
+    </p:spTree>
+    <p:extLst>
+      <p:ext uri="{BB962C8B-B14F-4D97-AF65-F5344CB8AC3E}">
+        <p14:creationId xmlns:p14="http://schemas.microsoft.com/office/powerpoint/2010/main" val="909227204"/>
+      </p:ext>
+    </p:extLst>
+  </p:cSld>
+  <p:clrMapOvr>
+    <a:masterClrMapping/>
+  </p:clrMapOvr>
+</p:sld>
+</file>
+
+<file path=ppt/slides/slide4.xml><?xml version="1.0" encoding="utf-8"?>
+<p:sld xmlns:a="http://schemas.openxmlformats.org/drawingml/2006/main" xmlns:r="http://schemas.openxmlformats.org/officeDocument/2006/relationships" xmlns:p="http://schemas.openxmlformats.org/presentationml/2006/main">
+  <p:cSld>
+    <p:spTree>
+      <p:nvGrpSpPr>
+        <p:cNvPr id="1" name=""/>
+        <p:cNvGrpSpPr/>
+        <p:nvPr/>
+      </p:nvGrpSpPr>
+      <p:grpSpPr>
+        <a:xfrm>
+          <a:off x="0" y="0"/>
+          <a:ext cx="0" cy="0"/>
+          <a:chOff x="0" y="0"/>
+          <a:chExt cx="0" cy="0"/>
+        </a:xfrm>
+      </p:grpSpPr>
+      <p:sp>
+        <p:nvSpPr>
+          <p:cNvPr id="2" name="Title 1">
+            <a:extLst>
+              <a:ext uri="{FF2B5EF4-FFF2-40B4-BE49-F238E27FC236}">
+                <a16:creationId xmlns:a16="http://schemas.microsoft.com/office/drawing/2014/main" id="{FEFBB225-54EA-446B-82DC-D89F932BCD37}"/>
+              </a:ext>
+            </a:extLst>
+          </p:cNvPr>
+          <p:cNvSpPr>
+            <a:spLocks noGrp="1"/>
+          </p:cNvSpPr>
+          <p:nvPr>
+            <p:ph type="title"/>
+          </p:nvPr>
+        </p:nvSpPr>
+        <p:spPr/>
+        <p:txBody>
+          <a:bodyPr/>
+          <a:lstStyle/>
+          <a:p>
+            <a:r>
+              <a:rPr lang="en-US" dirty="0" err="1"/>
+              <a:t>Cieľ</a:t>
+            </a:r>
+            <a:endParaRPr lang="en-US" dirty="0"/>
+          </a:p>
+        </p:txBody>
+      </p:sp>
+      <p:sp>
+        <p:nvSpPr>
+          <p:cNvPr id="3" name="Content Placeholder 2">
+            <a:extLst>
+              <a:ext uri="{FF2B5EF4-FFF2-40B4-BE49-F238E27FC236}">
+                <a16:creationId xmlns:a16="http://schemas.microsoft.com/office/drawing/2014/main" id="{5E1E0846-75D3-450C-A32F-D75352BE9779}"/>
+              </a:ext>
+            </a:extLst>
+          </p:cNvPr>
+          <p:cNvSpPr>
+            <a:spLocks noGrp="1"/>
+          </p:cNvSpPr>
+          <p:nvPr>
+            <p:ph idx="1"/>
+          </p:nvPr>
+        </p:nvSpPr>
+        <p:spPr/>
+        <p:txBody>
+          <a:bodyPr/>
+          <a:lstStyle/>
+          <a:p>
+            <a:r>
+              <a:rPr lang="en-US" dirty="0" err="1"/>
+              <a:t>Odporúčiť</a:t>
+            </a:r>
+            <a:r>
+              <a:rPr lang="en-US" dirty="0"/>
+              <a:t> </a:t>
+            </a:r>
+            <a:r>
+              <a:rPr lang="en-US" dirty="0" err="1"/>
+              <a:t>vhodnú</a:t>
+            </a:r>
+            <a:r>
+              <a:rPr lang="en-US" dirty="0"/>
+              <a:t> </a:t>
+            </a:r>
+            <a:r>
+              <a:rPr lang="en-US" dirty="0" err="1"/>
+              <a:t>dovolenkovú</a:t>
+            </a:r>
+            <a:r>
+              <a:rPr lang="en-US" dirty="0"/>
+              <a:t> </a:t>
+            </a:r>
+            <a:r>
+              <a:rPr lang="en-US" dirty="0" err="1"/>
+              <a:t>destináciu</a:t>
+            </a:r>
+            <a:endParaRPr lang="en-US" dirty="0"/>
+          </a:p>
+          <a:p>
+            <a:r>
+              <a:rPr lang="en-US" dirty="0" err="1"/>
+              <a:t>Identifikovanie</a:t>
+            </a:r>
+            <a:r>
+              <a:rPr lang="en-US" dirty="0"/>
+              <a:t> </a:t>
+            </a:r>
+            <a:r>
+              <a:rPr lang="en-US" dirty="0" err="1"/>
+              <a:t>najviac</a:t>
+            </a:r>
+            <a:r>
+              <a:rPr lang="en-US" dirty="0"/>
+              <a:t> </a:t>
+            </a:r>
+            <a:r>
+              <a:rPr lang="en-US" dirty="0" err="1"/>
+              <a:t>priraďovan</a:t>
+            </a:r>
+            <a:r>
+              <a:rPr lang="sk-SK" dirty="0" err="1"/>
+              <a:t>ých</a:t>
+            </a:r>
+            <a:r>
+              <a:rPr lang="en-US" dirty="0"/>
+              <a:t> </a:t>
+            </a:r>
+            <a:r>
+              <a:rPr lang="en-US" dirty="0" err="1"/>
+              <a:t>labelov</a:t>
+            </a:r>
+            <a:endParaRPr lang="en-US" dirty="0"/>
+          </a:p>
+          <a:p>
+            <a:endParaRPr lang="en-US" dirty="0"/>
+          </a:p>
+        </p:txBody>
+      </p:sp>
+    </p:spTree>
+    <p:extLst>
+      <p:ext uri="{BB962C8B-B14F-4D97-AF65-F5344CB8AC3E}">
+        <p14:creationId xmlns:p14="http://schemas.microsoft.com/office/powerpoint/2010/main" val="2893222398"/>
+      </p:ext>
+    </p:extLst>
+  </p:cSld>
+  <p:clrMapOvr>
+    <a:masterClrMapping/>
+  </p:clrMapOvr>
+</p:sld>
+</file>
+
+<file path=ppt/slides/slide5.xml><?xml version="1.0" encoding="utf-8"?>
+<p:sld xmlns:a="http://schemas.openxmlformats.org/drawingml/2006/main" xmlns:r="http://schemas.openxmlformats.org/officeDocument/2006/relationships" xmlns:p="http://schemas.openxmlformats.org/presentationml/2006/main">
+  <p:cSld>
+    <p:spTree>
+      <p:nvGrpSpPr>
+        <p:cNvPr id="1" name=""/>
+        <p:cNvGrpSpPr/>
+        <p:nvPr/>
+      </p:nvGrpSpPr>
+      <p:grpSpPr>
+        <a:xfrm>
+          <a:off x="0" y="0"/>
+          <a:ext cx="0" cy="0"/>
+          <a:chOff x="0" y="0"/>
+          <a:chExt cx="0" cy="0"/>
+        </a:xfrm>
+      </p:grpSpPr>
+      <p:sp>
+        <p:nvSpPr>
           <p:cNvPr id="2" name="Title 1">
             <a:extLst>
               <a:ext uri="{FF2B5EF4-FFF2-40B4-BE49-F238E27FC236}">
@@ -3917,7 +4145,7 @@
 </p:sld>
 </file>
 
-<file path=ppt/slides/slide4.xml><?xml version="1.0" encoding="utf-8"?>
+<file path=ppt/slides/slide6.xml><?xml version="1.0" encoding="utf-8"?>
 <p:sld xmlns:a="http://schemas.openxmlformats.org/drawingml/2006/main" xmlns:r="http://schemas.openxmlformats.org/officeDocument/2006/relationships" xmlns:p="http://schemas.openxmlformats.org/presentationml/2006/main">
   <p:cSld>
     <p:spTree>
@@ -4027,7 +4255,7 @@
 </p:sld>
 </file>
 
-<file path=ppt/slides/slide5.xml><?xml version="1.0" encoding="utf-8"?>
+<file path=ppt/slides/slide7.xml><?xml version="1.0" encoding="utf-8"?>
 <p:sld xmlns:a="http://schemas.openxmlformats.org/drawingml/2006/main" xmlns:r="http://schemas.openxmlformats.org/officeDocument/2006/relationships" xmlns:p="http://schemas.openxmlformats.org/presentationml/2006/main">
   <p:cSld>
     <p:spTree>
@@ -4144,7 +4372,7 @@
 </p:sld>
 </file>
 
-<file path=ppt/slides/slide6.xml><?xml version="1.0" encoding="utf-8"?>
+<file path=ppt/slides/slide8.xml><?xml version="1.0" encoding="utf-8"?>
 <p:sld xmlns:a="http://schemas.openxmlformats.org/drawingml/2006/main" xmlns:r="http://schemas.openxmlformats.org/officeDocument/2006/relationships" xmlns:p="http://schemas.openxmlformats.org/presentationml/2006/main">
   <p:cSld>
     <p:spTree>
